--- a/System Programming/WEEK/Week2/02.CPointers.pptx
+++ b/System Programming/WEEK/Week2/02.CPointers.pptx
@@ -210,6 +210,88 @@
     </p:ext>
   </p:extLst>
 </p:presentation>
+</file>
+
+<file path=ppt/revisionInfo.xml><?xml version="1.0" encoding="utf-8"?>
+<p1510:revInfo xmlns:a="http://schemas.openxmlformats.org/drawingml/2006/main" xmlns:r="http://schemas.openxmlformats.org/officeDocument/2006/relationships" xmlns:p1510="http://schemas.microsoft.com/office/powerpoint/2015/10/main">
+  <p1510:revLst>
+    <p1510:client id="{74D8364A-D210-48D7-9C46-28F58E3744BE}" v="4" dt="2025-04-20T06:51:17.664"/>
+  </p1510:revLst>
+</p1510:revInfo>
+</file>
+
+<file path=ppt/changesInfos/changesInfo1.xml><?xml version="1.0" encoding="utf-8"?>
+<pc:chgInfo xmlns:a="http://schemas.openxmlformats.org/drawingml/2006/main" xmlns:r="http://schemas.openxmlformats.org/officeDocument/2006/relationships" xmlns:ac="http://schemas.microsoft.com/office/drawing/2013/main/command" xmlns:pc="http://schemas.microsoft.com/office/powerpoint/2013/main/command">
+  <pc:docChgLst>
+    <pc:chgData name="은수 여" userId="168bdae620a9ea5e" providerId="LiveId" clId="{74D8364A-D210-48D7-9C46-28F58E3744BE}"/>
+    <pc:docChg chg="undo custSel modSld">
+      <pc:chgData name="은수 여" userId="168bdae620a9ea5e" providerId="LiveId" clId="{74D8364A-D210-48D7-9C46-28F58E3744BE}" dt="2025-04-20T06:53:06.727" v="84" actId="1076"/>
+      <pc:docMkLst>
+        <pc:docMk/>
+      </pc:docMkLst>
+      <pc:sldChg chg="modSp mod">
+        <pc:chgData name="은수 여" userId="168bdae620a9ea5e" providerId="LiveId" clId="{74D8364A-D210-48D7-9C46-28F58E3744BE}" dt="2025-04-20T06:10:25.008" v="1" actId="1076"/>
+        <pc:sldMkLst>
+          <pc:docMk/>
+          <pc:sldMk cId="2988383920" sldId="437"/>
+        </pc:sldMkLst>
+        <pc:spChg chg="mod">
+          <ac:chgData name="은수 여" userId="168bdae620a9ea5e" providerId="LiveId" clId="{74D8364A-D210-48D7-9C46-28F58E3744BE}" dt="2025-04-20T06:10:25.008" v="1" actId="1076"/>
+          <ac:spMkLst>
+            <pc:docMk/>
+            <pc:sldMk cId="2988383920" sldId="437"/>
+            <ac:spMk id="4" creationId="{00000000-0000-0000-0000-000000000000}"/>
+          </ac:spMkLst>
+        </pc:spChg>
+      </pc:sldChg>
+      <pc:sldChg chg="modSp mod">
+        <pc:chgData name="은수 여" userId="168bdae620a9ea5e" providerId="LiveId" clId="{74D8364A-D210-48D7-9C46-28F58E3744BE}" dt="2025-04-20T06:40:48.696" v="3" actId="1076"/>
+        <pc:sldMkLst>
+          <pc:docMk/>
+          <pc:sldMk cId="1144517588" sldId="448"/>
+        </pc:sldMkLst>
+        <pc:spChg chg="mod">
+          <ac:chgData name="은수 여" userId="168bdae620a9ea5e" providerId="LiveId" clId="{74D8364A-D210-48D7-9C46-28F58E3744BE}" dt="2025-04-20T06:40:48.696" v="3" actId="1076"/>
+          <ac:spMkLst>
+            <pc:docMk/>
+            <pc:sldMk cId="1144517588" sldId="448"/>
+            <ac:spMk id="5" creationId="{00000000-0000-0000-0000-000000000000}"/>
+          </ac:spMkLst>
+        </pc:spChg>
+      </pc:sldChg>
+      <pc:sldChg chg="modSp mod">
+        <pc:chgData name="은수 여" userId="168bdae620a9ea5e" providerId="LiveId" clId="{74D8364A-D210-48D7-9C46-28F58E3744BE}" dt="2025-04-20T06:51:36.886" v="83" actId="20577"/>
+        <pc:sldMkLst>
+          <pc:docMk/>
+          <pc:sldMk cId="201735092" sldId="453"/>
+        </pc:sldMkLst>
+        <pc:spChg chg="mod">
+          <ac:chgData name="은수 여" userId="168bdae620a9ea5e" providerId="LiveId" clId="{74D8364A-D210-48D7-9C46-28F58E3744BE}" dt="2025-04-20T06:51:36.886" v="83" actId="20577"/>
+          <ac:spMkLst>
+            <pc:docMk/>
+            <pc:sldMk cId="201735092" sldId="453"/>
+            <ac:spMk id="220" creationId="{00000000-0000-0000-0000-000000000000}"/>
+          </ac:spMkLst>
+        </pc:spChg>
+      </pc:sldChg>
+      <pc:sldChg chg="modSp mod">
+        <pc:chgData name="은수 여" userId="168bdae620a9ea5e" providerId="LiveId" clId="{74D8364A-D210-48D7-9C46-28F58E3744BE}" dt="2025-04-20T06:53:06.727" v="84" actId="1076"/>
+        <pc:sldMkLst>
+          <pc:docMk/>
+          <pc:sldMk cId="1200836817" sldId="1585"/>
+        </pc:sldMkLst>
+        <pc:spChg chg="mod">
+          <ac:chgData name="은수 여" userId="168bdae620a9ea5e" providerId="LiveId" clId="{74D8364A-D210-48D7-9C46-28F58E3744BE}" dt="2025-04-20T06:53:06.727" v="84" actId="1076"/>
+          <ac:spMkLst>
+            <pc:docMk/>
+            <pc:sldMk cId="1200836817" sldId="1585"/>
+            <ac:spMk id="118" creationId="{00000000-0000-0000-0000-000000000000}"/>
+          </ac:spMkLst>
+        </pc:spChg>
+      </pc:sldChg>
+    </pc:docChg>
+  </pc:docChgLst>
+</pc:chgInfo>
 </file>
 
 <file path=ppt/handoutMasters/handoutMaster1.xml><?xml version="1.0" encoding="utf-8"?>
@@ -5796,7 +5878,7 @@
           </a:ln>
           <a:extLst>
             <a:ext uri="{C572A759-6A51-4108-AA02-DFA0A04FC94B}">
-              <ma14:wrappingTextBoxFlag xmlns:ma14="http://schemas.microsoft.com/office/mac/drawingml/2011/main" xmlns="" val="1"/>
+              <ma14:wrappingTextBoxFlag xmlns="" xmlns:ma14="http://schemas.microsoft.com/office/mac/drawingml/2011/main" val="1"/>
             </a:ext>
           </a:extLst>
         </p:spPr>
@@ -5912,7 +5994,7 @@
           </a:ln>
           <a:extLst>
             <a:ext uri="{C572A759-6A51-4108-AA02-DFA0A04FC94B}">
-              <ma14:wrappingTextBoxFlag xmlns:ma14="http://schemas.microsoft.com/office/mac/drawingml/2011/main" xmlns="" val="1"/>
+              <ma14:wrappingTextBoxFlag xmlns="" xmlns:ma14="http://schemas.microsoft.com/office/mac/drawingml/2011/main" val="1"/>
             </a:ext>
           </a:extLst>
         </p:spPr>
@@ -7031,7 +7113,7 @@
           </a:ln>
           <a:extLst>
             <a:ext uri="{C572A759-6A51-4108-AA02-DFA0A04FC94B}">
-              <ma14:wrappingTextBoxFlag xmlns:ma14="http://schemas.microsoft.com/office/mac/drawingml/2011/main" xmlns="" val="1"/>
+              <ma14:wrappingTextBoxFlag xmlns="" xmlns:ma14="http://schemas.microsoft.com/office/mac/drawingml/2011/main" val="1"/>
             </a:ext>
           </a:extLst>
         </p:spPr>
@@ -7285,7 +7367,7 @@
           </a:ln>
           <a:extLst>
             <a:ext uri="{C572A759-6A51-4108-AA02-DFA0A04FC94B}">
-              <ma14:wrappingTextBoxFlag xmlns:ma14="http://schemas.microsoft.com/office/mac/drawingml/2011/main" xmlns="" val="1"/>
+              <ma14:wrappingTextBoxFlag xmlns="" xmlns:ma14="http://schemas.microsoft.com/office/mac/drawingml/2011/main" val="1"/>
             </a:ext>
           </a:extLst>
         </p:spPr>
@@ -7573,7 +7655,7 @@
           </a:ln>
           <a:extLst>
             <a:ext uri="{C572A759-6A51-4108-AA02-DFA0A04FC94B}">
-              <ma14:wrappingTextBoxFlag xmlns:ma14="http://schemas.microsoft.com/office/mac/drawingml/2011/main" xmlns="" val="1"/>
+              <ma14:wrappingTextBoxFlag xmlns="" xmlns:ma14="http://schemas.microsoft.com/office/mac/drawingml/2011/main" val="1"/>
             </a:ext>
           </a:extLst>
         </p:spPr>
@@ -7625,7 +7707,7 @@
           </a:ln>
           <a:extLst>
             <a:ext uri="{C572A759-6A51-4108-AA02-DFA0A04FC94B}">
-              <ma14:wrappingTextBoxFlag xmlns:ma14="http://schemas.microsoft.com/office/mac/drawingml/2011/main" xmlns="" val="1"/>
+              <ma14:wrappingTextBoxFlag xmlns="" xmlns:ma14="http://schemas.microsoft.com/office/mac/drawingml/2011/main" val="1"/>
             </a:ext>
           </a:extLst>
         </p:spPr>
@@ -7834,7 +7916,7 @@
           </a:ln>
           <a:extLst>
             <a:ext uri="{C572A759-6A51-4108-AA02-DFA0A04FC94B}">
-              <ma14:wrappingTextBoxFlag xmlns:ma14="http://schemas.microsoft.com/office/mac/drawingml/2011/main" xmlns="" val="1"/>
+              <ma14:wrappingTextBoxFlag xmlns="" xmlns:ma14="http://schemas.microsoft.com/office/mac/drawingml/2011/main" val="1"/>
             </a:ext>
           </a:extLst>
         </p:spPr>
@@ -7914,7 +7996,7 @@
           </a:ln>
           <a:extLst>
             <a:ext uri="{C572A759-6A51-4108-AA02-DFA0A04FC94B}">
-              <ma14:wrappingTextBoxFlag xmlns:ma14="http://schemas.microsoft.com/office/mac/drawingml/2011/main" xmlns="" val="1"/>
+              <ma14:wrappingTextBoxFlag xmlns="" xmlns:ma14="http://schemas.microsoft.com/office/mac/drawingml/2011/main" val="1"/>
             </a:ext>
           </a:extLst>
         </p:spPr>
@@ -7966,7 +8048,7 @@
           </a:ln>
           <a:extLst>
             <a:ext uri="{C572A759-6A51-4108-AA02-DFA0A04FC94B}">
-              <ma14:wrappingTextBoxFlag xmlns:ma14="http://schemas.microsoft.com/office/mac/drawingml/2011/main" xmlns="" val="1"/>
+              <ma14:wrappingTextBoxFlag xmlns="" xmlns:ma14="http://schemas.microsoft.com/office/mac/drawingml/2011/main" val="1"/>
             </a:ext>
           </a:extLst>
         </p:spPr>
@@ -8018,7 +8100,7 @@
           </a:ln>
           <a:extLst>
             <a:ext uri="{C572A759-6A51-4108-AA02-DFA0A04FC94B}">
-              <ma14:wrappingTextBoxFlag xmlns:ma14="http://schemas.microsoft.com/office/mac/drawingml/2011/main" xmlns="" val="1"/>
+              <ma14:wrappingTextBoxFlag xmlns="" xmlns:ma14="http://schemas.microsoft.com/office/mac/drawingml/2011/main" val="1"/>
             </a:ext>
           </a:extLst>
         </p:spPr>
@@ -8411,7 +8493,7 @@
           </a:ln>
           <a:extLst>
             <a:ext uri="{C572A759-6A51-4108-AA02-DFA0A04FC94B}">
-              <ma14:wrappingTextBoxFlag xmlns:ma14="http://schemas.microsoft.com/office/mac/drawingml/2011/main" xmlns="" val="1"/>
+              <ma14:wrappingTextBoxFlag xmlns="" xmlns:ma14="http://schemas.microsoft.com/office/mac/drawingml/2011/main" val="1"/>
             </a:ext>
           </a:extLst>
         </p:spPr>
@@ -8768,7 +8850,7 @@
           </a:ln>
           <a:extLst>
             <a:ext uri="{C572A759-6A51-4108-AA02-DFA0A04FC94B}">
-              <ma14:wrappingTextBoxFlag xmlns:ma14="http://schemas.microsoft.com/office/mac/drawingml/2011/main" xmlns="" val="1"/>
+              <ma14:wrappingTextBoxFlag xmlns="" xmlns:ma14="http://schemas.microsoft.com/office/mac/drawingml/2011/main" val="1"/>
             </a:ext>
           </a:extLst>
         </p:spPr>
@@ -8862,7 +8944,7 @@
           </a:ln>
           <a:extLst>
             <a:ext uri="{C572A759-6A51-4108-AA02-DFA0A04FC94B}">
-              <ma14:wrappingTextBoxFlag xmlns:ma14="http://schemas.microsoft.com/office/mac/drawingml/2011/main" xmlns="" val="1"/>
+              <ma14:wrappingTextBoxFlag xmlns="" xmlns:ma14="http://schemas.microsoft.com/office/mac/drawingml/2011/main" val="1"/>
             </a:ext>
           </a:extLst>
         </p:spPr>
@@ -9118,7 +9200,7 @@
           </a:ln>
           <a:extLst>
             <a:ext uri="{C572A759-6A51-4108-AA02-DFA0A04FC94B}">
-              <ma14:wrappingTextBoxFlag xmlns:ma14="http://schemas.microsoft.com/office/mac/drawingml/2011/main" xmlns="" val="1"/>
+              <ma14:wrappingTextBoxFlag xmlns="" xmlns:ma14="http://schemas.microsoft.com/office/mac/drawingml/2011/main" val="1"/>
             </a:ext>
           </a:extLst>
         </p:spPr>
@@ -9232,7 +9314,7 @@
           </a:ln>
           <a:extLst>
             <a:ext uri="{C572A759-6A51-4108-AA02-DFA0A04FC94B}">
-              <ma14:wrappingTextBoxFlag xmlns:ma14="http://schemas.microsoft.com/office/mac/drawingml/2011/main" xmlns="" val="1"/>
+              <ma14:wrappingTextBoxFlag xmlns="" xmlns:ma14="http://schemas.microsoft.com/office/mac/drawingml/2011/main" val="1"/>
             </a:ext>
           </a:extLst>
         </p:spPr>
@@ -9493,7 +9575,7 @@
           </a:ln>
           <a:extLst>
             <a:ext uri="{C572A759-6A51-4108-AA02-DFA0A04FC94B}">
-              <ma14:wrappingTextBoxFlag xmlns:ma14="http://schemas.microsoft.com/office/mac/drawingml/2011/main" xmlns="" val="1"/>
+              <ma14:wrappingTextBoxFlag xmlns="" xmlns:ma14="http://schemas.microsoft.com/office/mac/drawingml/2011/main" val="1"/>
             </a:ext>
           </a:extLst>
         </p:spPr>
@@ -9607,7 +9689,7 @@
           </a:ln>
           <a:extLst>
             <a:ext uri="{C572A759-6A51-4108-AA02-DFA0A04FC94B}">
-              <ma14:wrappingTextBoxFlag xmlns:ma14="http://schemas.microsoft.com/office/mac/drawingml/2011/main" xmlns="" val="1"/>
+              <ma14:wrappingTextBoxFlag xmlns="" xmlns:ma14="http://schemas.microsoft.com/office/mac/drawingml/2011/main" val="1"/>
             </a:ext>
           </a:extLst>
         </p:spPr>
@@ -10068,7 +10150,7 @@
           </a:ln>
           <a:extLst>
             <a:ext uri="{C572A759-6A51-4108-AA02-DFA0A04FC94B}">
-              <ma14:wrappingTextBoxFlag xmlns:ma14="http://schemas.microsoft.com/office/mac/drawingml/2011/main" xmlns="" val="1"/>
+              <ma14:wrappingTextBoxFlag xmlns="" xmlns:ma14="http://schemas.microsoft.com/office/mac/drawingml/2011/main" val="1"/>
             </a:ext>
           </a:extLst>
         </p:spPr>
@@ -10414,7 +10496,7 @@
           </a:ln>
           <a:extLst>
             <a:ext uri="{C572A759-6A51-4108-AA02-DFA0A04FC94B}">
-              <ma14:wrappingTextBoxFlag xmlns:ma14="http://schemas.microsoft.com/office/mac/drawingml/2011/main" xmlns="" val="1"/>
+              <ma14:wrappingTextBoxFlag xmlns="" xmlns:ma14="http://schemas.microsoft.com/office/mac/drawingml/2011/main" val="1"/>
             </a:ext>
           </a:extLst>
         </p:spPr>
@@ -11183,7 +11265,7 @@
           </a:ln>
           <a:extLst>
             <a:ext uri="{C572A759-6A51-4108-AA02-DFA0A04FC94B}">
-              <ma14:wrappingTextBoxFlag xmlns:ma14="http://schemas.microsoft.com/office/mac/drawingml/2011/main" xmlns="" val="1"/>
+              <ma14:wrappingTextBoxFlag xmlns="" xmlns:ma14="http://schemas.microsoft.com/office/mac/drawingml/2011/main" val="1"/>
             </a:ext>
           </a:extLst>
         </p:spPr>
@@ -11321,7 +11403,7 @@
           </a:ln>
           <a:extLst>
             <a:ext uri="{C572A759-6A51-4108-AA02-DFA0A04FC94B}">
-              <ma14:wrappingTextBoxFlag xmlns:ma14="http://schemas.microsoft.com/office/mac/drawingml/2011/main" xmlns="" val="1"/>
+              <ma14:wrappingTextBoxFlag xmlns="" xmlns:ma14="http://schemas.microsoft.com/office/mac/drawingml/2011/main" val="1"/>
             </a:ext>
           </a:extLst>
         </p:spPr>
@@ -11373,7 +11455,7 @@
           </a:ln>
           <a:extLst>
             <a:ext uri="{C572A759-6A51-4108-AA02-DFA0A04FC94B}">
-              <ma14:wrappingTextBoxFlag xmlns:ma14="http://schemas.microsoft.com/office/mac/drawingml/2011/main" xmlns="" val="1"/>
+              <ma14:wrappingTextBoxFlag xmlns="" xmlns:ma14="http://schemas.microsoft.com/office/mac/drawingml/2011/main" val="1"/>
             </a:ext>
           </a:extLst>
         </p:spPr>
@@ -11619,7 +11701,7 @@
           </a:ln>
           <a:extLst>
             <a:ext uri="{C572A759-6A51-4108-AA02-DFA0A04FC94B}">
-              <ma14:wrappingTextBoxFlag xmlns:ma14="http://schemas.microsoft.com/office/mac/drawingml/2011/main" xmlns="" val="1"/>
+              <ma14:wrappingTextBoxFlag xmlns="" xmlns:ma14="http://schemas.microsoft.com/office/mac/drawingml/2011/main" val="1"/>
             </a:ext>
           </a:extLst>
         </p:spPr>
@@ -11671,7 +11753,7 @@
           </a:ln>
           <a:extLst>
             <a:ext uri="{C572A759-6A51-4108-AA02-DFA0A04FC94B}">
-              <ma14:wrappingTextBoxFlag xmlns:ma14="http://schemas.microsoft.com/office/mac/drawingml/2011/main" xmlns="" val="1"/>
+              <ma14:wrappingTextBoxFlag xmlns="" xmlns:ma14="http://schemas.microsoft.com/office/mac/drawingml/2011/main" val="1"/>
             </a:ext>
           </a:extLst>
         </p:spPr>
@@ -11723,7 +11805,7 @@
           </a:ln>
           <a:extLst>
             <a:ext uri="{C572A759-6A51-4108-AA02-DFA0A04FC94B}">
-              <ma14:wrappingTextBoxFlag xmlns:ma14="http://schemas.microsoft.com/office/mac/drawingml/2011/main" xmlns="" val="1"/>
+              <ma14:wrappingTextBoxFlag xmlns="" xmlns:ma14="http://schemas.microsoft.com/office/mac/drawingml/2011/main" val="1"/>
             </a:ext>
           </a:extLst>
         </p:spPr>
@@ -12145,7 +12227,7 @@
           </a:ln>
           <a:extLst>
             <a:ext uri="{C572A759-6A51-4108-AA02-DFA0A04FC94B}">
-              <ma14:wrappingTextBoxFlag xmlns:ma14="http://schemas.microsoft.com/office/mac/drawingml/2011/main" xmlns="" val="1"/>
+              <ma14:wrappingTextBoxFlag xmlns="" xmlns:ma14="http://schemas.microsoft.com/office/mac/drawingml/2011/main" val="1"/>
             </a:ext>
           </a:extLst>
         </p:spPr>
@@ -12502,7 +12584,7 @@
           </a:ln>
           <a:extLst>
             <a:ext uri="{C572A759-6A51-4108-AA02-DFA0A04FC94B}">
-              <ma14:wrappingTextBoxFlag xmlns:ma14="http://schemas.microsoft.com/office/mac/drawingml/2011/main" xmlns="" val="1"/>
+              <ma14:wrappingTextBoxFlag xmlns="" xmlns:ma14="http://schemas.microsoft.com/office/mac/drawingml/2011/main" val="1"/>
             </a:ext>
           </a:extLst>
         </p:spPr>
@@ -13001,7 +13083,7 @@
           </a:ln>
           <a:extLst>
             <a:ext uri="{C572A759-6A51-4108-AA02-DFA0A04FC94B}">
-              <ma14:wrappingTextBoxFlag xmlns:ma14="http://schemas.microsoft.com/office/mac/drawingml/2011/main" xmlns="" val="1"/>
+              <ma14:wrappingTextBoxFlag xmlns="" xmlns:ma14="http://schemas.microsoft.com/office/mac/drawingml/2011/main" val="1"/>
             </a:ext>
           </a:extLst>
         </p:spPr>
@@ -13085,7 +13167,7 @@
           </a:ln>
           <a:extLst>
             <a:ext uri="{C572A759-6A51-4108-AA02-DFA0A04FC94B}">
-              <ma14:wrappingTextBoxFlag xmlns:ma14="http://schemas.microsoft.com/office/mac/drawingml/2011/main" xmlns="" val="1"/>
+              <ma14:wrappingTextBoxFlag xmlns="" xmlns:ma14="http://schemas.microsoft.com/office/mac/drawingml/2011/main" val="1"/>
             </a:ext>
           </a:extLst>
         </p:spPr>
@@ -13151,7 +13233,7 @@
           </a:ln>
           <a:extLst>
             <a:ext uri="{C572A759-6A51-4108-AA02-DFA0A04FC94B}">
-              <ma14:wrappingTextBoxFlag xmlns:ma14="http://schemas.microsoft.com/office/mac/drawingml/2011/main" xmlns="" val="1"/>
+              <ma14:wrappingTextBoxFlag xmlns="" xmlns:ma14="http://schemas.microsoft.com/office/mac/drawingml/2011/main" val="1"/>
             </a:ext>
           </a:extLst>
         </p:spPr>
@@ -13326,7 +13408,7 @@
           </a:ln>
           <a:extLst>
             <a:ext uri="{C572A759-6A51-4108-AA02-DFA0A04FC94B}">
-              <ma14:wrappingTextBoxFlag xmlns:ma14="http://schemas.microsoft.com/office/mac/drawingml/2011/main" xmlns="" val="1"/>
+              <ma14:wrappingTextBoxFlag xmlns="" xmlns:ma14="http://schemas.microsoft.com/office/mac/drawingml/2011/main" val="1"/>
             </a:ext>
           </a:extLst>
         </p:spPr>
@@ -13588,7 +13670,7 @@
           </a:ln>
           <a:extLst>
             <a:ext uri="{C572A759-6A51-4108-AA02-DFA0A04FC94B}">
-              <ma14:wrappingTextBoxFlag xmlns:ma14="http://schemas.microsoft.com/office/mac/drawingml/2011/main" xmlns="" val="1"/>
+              <ma14:wrappingTextBoxFlag xmlns="" xmlns:ma14="http://schemas.microsoft.com/office/mac/drawingml/2011/main" val="1"/>
             </a:ext>
           </a:extLst>
         </p:spPr>
@@ -13873,7 +13955,7 @@
           </a:ln>
           <a:extLst>
             <a:ext uri="{C572A759-6A51-4108-AA02-DFA0A04FC94B}">
-              <ma14:wrappingTextBoxFlag xmlns:ma14="http://schemas.microsoft.com/office/mac/drawingml/2011/main" xmlns="" val="1"/>
+              <ma14:wrappingTextBoxFlag xmlns="" xmlns:ma14="http://schemas.microsoft.com/office/mac/drawingml/2011/main" val="1"/>
             </a:ext>
           </a:extLst>
         </p:spPr>
@@ -14203,7 +14285,7 @@
           </a:ln>
           <a:extLst>
             <a:ext uri="{C572A759-6A51-4108-AA02-DFA0A04FC94B}">
-              <ma14:wrappingTextBoxFlag xmlns:ma14="http://schemas.microsoft.com/office/mac/drawingml/2011/main" xmlns="" val="1"/>
+              <ma14:wrappingTextBoxFlag xmlns="" xmlns:ma14="http://schemas.microsoft.com/office/mac/drawingml/2011/main" val="1"/>
             </a:ext>
           </a:extLst>
         </p:spPr>
@@ -14483,7 +14565,7 @@
           </a:ln>
           <a:extLst>
             <a:ext uri="{C572A759-6A51-4108-AA02-DFA0A04FC94B}">
-              <ma14:wrappingTextBoxFlag xmlns:ma14="http://schemas.microsoft.com/office/mac/drawingml/2011/main" xmlns="" val="1"/>
+              <ma14:wrappingTextBoxFlag xmlns="" xmlns:ma14="http://schemas.microsoft.com/office/mac/drawingml/2011/main" val="1"/>
             </a:ext>
           </a:extLst>
         </p:spPr>
@@ -14747,7 +14829,7 @@
           </a:ln>
           <a:extLst>
             <a:ext uri="{C572A759-6A51-4108-AA02-DFA0A04FC94B}">
-              <ma14:wrappingTextBoxFlag xmlns:ma14="http://schemas.microsoft.com/office/mac/drawingml/2011/main" xmlns="" val="1"/>
+              <ma14:wrappingTextBoxFlag xmlns="" xmlns:ma14="http://schemas.microsoft.com/office/mac/drawingml/2011/main" val="1"/>
             </a:ext>
           </a:extLst>
         </p:spPr>
@@ -14950,7 +15032,23 @@
                 <a:ea typeface="굴림" panose="020B0600000101010101" pitchFamily="50" charset="-127"/>
                 <a:cs typeface="Courier New" panose="02070309020205020404" pitchFamily="49" charset="0"/>
               </a:rPr>
-              <a:t>   *a = 0; /* What happens? */</a:t>
+              <a:t>   *a = 0; /* What happens? */ a[0]=0</a:t>
+            </a:r>
+            <a:r>
+              <a:rPr lang="ko-KR" altLang="en-US" dirty="0">
+                <a:latin typeface="Courier New" panose="02070309020205020404" pitchFamily="49" charset="0"/>
+                <a:ea typeface="굴림" panose="020B0600000101010101" pitchFamily="50" charset="-127"/>
+                <a:cs typeface="Courier New" panose="02070309020205020404" pitchFamily="49" charset="0"/>
+              </a:rPr>
+              <a:t> 로 잘 정의됨</a:t>
+            </a:r>
+            <a:r>
+              <a:rPr lang="en-US" altLang="ko-KR" dirty="0">
+                <a:latin typeface="Courier New" panose="02070309020205020404" pitchFamily="49" charset="0"/>
+                <a:ea typeface="굴림" panose="020B0600000101010101" pitchFamily="50" charset="-127"/>
+                <a:cs typeface="Courier New" panose="02070309020205020404" pitchFamily="49" charset="0"/>
+              </a:rPr>
+              <a:t>.</a:t>
             </a:r>
           </a:p>
           <a:p>
@@ -15031,8 +15129,65 @@
                 <a:ea typeface="굴림" panose="020B0600000101010101" pitchFamily="50" charset="-127"/>
                 <a:cs typeface="Courier New" panose="02070309020205020404" pitchFamily="49" charset="0"/>
               </a:rPr>
-              <a:t>   *a = 0; /* What happens? */</a:t>
-            </a:r>
+              <a:t>   *a = 0; /* What happens? */ error. Undefined</a:t>
+            </a:r>
+            <a:r>
+              <a:rPr lang="ko-KR" altLang="en-US" dirty="0">
+                <a:latin typeface="Courier New" panose="02070309020205020404" pitchFamily="49" charset="0"/>
+                <a:ea typeface="굴림" panose="020B0600000101010101" pitchFamily="50" charset="-127"/>
+                <a:cs typeface="Courier New" panose="02070309020205020404" pitchFamily="49" charset="0"/>
+              </a:rPr>
+              <a:t> </a:t>
+            </a:r>
+            <a:r>
+              <a:rPr lang="en-US" altLang="ko-KR" dirty="0">
+                <a:latin typeface="Courier New" panose="02070309020205020404" pitchFamily="49" charset="0"/>
+                <a:ea typeface="굴림" panose="020B0600000101010101" pitchFamily="50" charset="-127"/>
+                <a:cs typeface="Courier New" panose="02070309020205020404" pitchFamily="49" charset="0"/>
+              </a:rPr>
+              <a:t>memory</a:t>
+            </a:r>
+            <a:r>
+              <a:rPr lang="ko-KR" altLang="en-US" dirty="0">
+                <a:latin typeface="Courier New" panose="02070309020205020404" pitchFamily="49" charset="0"/>
+                <a:ea typeface="굴림" panose="020B0600000101010101" pitchFamily="50" charset="-127"/>
+                <a:cs typeface="Courier New" panose="02070309020205020404" pitchFamily="49" charset="0"/>
+              </a:rPr>
+              <a:t> </a:t>
+            </a:r>
+            <a:r>
+              <a:rPr lang="en-US" altLang="ko-KR" dirty="0" err="1">
+                <a:latin typeface="Courier New" panose="02070309020205020404" pitchFamily="49" charset="0"/>
+                <a:ea typeface="굴림" panose="020B0600000101010101" pitchFamily="50" charset="-127"/>
+                <a:cs typeface="Courier New" panose="02070309020205020404" pitchFamily="49" charset="0"/>
+              </a:rPr>
+              <a:t>locaation</a:t>
+            </a:r>
+            <a:r>
+              <a:rPr lang="en-US" altLang="ko-KR" dirty="0">
+                <a:latin typeface="Courier New" panose="02070309020205020404" pitchFamily="49" charset="0"/>
+                <a:ea typeface="굴림" panose="020B0600000101010101" pitchFamily="50" charset="-127"/>
+                <a:cs typeface="Courier New" panose="02070309020205020404" pitchFamily="49" charset="0"/>
+              </a:rPr>
+              <a:t>.</a:t>
+            </a:r>
+          </a:p>
+          <a:p>
+            <a:pPr>
+              <a:lnSpc>
+                <a:spcPct val="80000"/>
+              </a:lnSpc>
+              <a:spcBef>
+                <a:spcPts val="1200"/>
+              </a:spcBef>
+              <a:buFontTx/>
+              <a:buNone/>
+            </a:pPr>
+            <a:endParaRPr lang="en-US" altLang="ko-KR" dirty="0">
+              <a:latin typeface="Courier New" panose="02070309020205020404" pitchFamily="49" charset="0"/>
+              <a:ea typeface="굴림" panose="020B0600000101010101" pitchFamily="50" charset="-127"/>
+              <a:cs typeface="Courier New" panose="02070309020205020404" pitchFamily="49" charset="0"/>
+            </a:endParaRPr>
           </a:p>
         </p:txBody>
       </p:sp>
@@ -18110,7 +18265,7 @@
         </p:nvSpPr>
         <p:spPr>
           <a:xfrm>
-            <a:off x="841375" y="2042872"/>
+            <a:off x="903721" y="1992087"/>
             <a:ext cx="7602867" cy="4815128"/>
           </a:xfrm>
           <a:prstGeom prst="rect">
@@ -24888,7 +25043,7 @@
           </a:ln>
           <a:extLst>
             <a:ext uri="{C572A759-6A51-4108-AA02-DFA0A04FC94B}">
-              <ma14:wrappingTextBoxFlag xmlns:ma14="http://schemas.microsoft.com/office/mac/drawingml/2011/main" xmlns="" val="1"/>
+              <ma14:wrappingTextBoxFlag xmlns="" xmlns:ma14="http://schemas.microsoft.com/office/mac/drawingml/2011/main" val="1"/>
             </a:ext>
           </a:extLst>
         </p:spPr>
@@ -26048,7 +26203,7 @@
           </a:ln>
           <a:extLst>
             <a:ext uri="{C572A759-6A51-4108-AA02-DFA0A04FC94B}">
-              <ma14:wrappingTextBoxFlag xmlns:ma14="http://schemas.microsoft.com/office/mac/drawingml/2011/main" xmlns="" val="1"/>
+              <ma14:wrappingTextBoxFlag xmlns="" xmlns:ma14="http://schemas.microsoft.com/office/mac/drawingml/2011/main" val="1"/>
             </a:ext>
           </a:extLst>
         </p:spPr>
@@ -26330,7 +26485,7 @@
           </a:ln>
           <a:extLst>
             <a:ext uri="{C572A759-6A51-4108-AA02-DFA0A04FC94B}">
-              <ma14:wrappingTextBoxFlag xmlns:ma14="http://schemas.microsoft.com/office/mac/drawingml/2011/main" xmlns="" val="1"/>
+              <ma14:wrappingTextBoxFlag xmlns="" xmlns:ma14="http://schemas.microsoft.com/office/mac/drawingml/2011/main" val="1"/>
             </a:ext>
           </a:extLst>
         </p:spPr>
@@ -26382,7 +26537,7 @@
           </a:ln>
           <a:extLst>
             <a:ext uri="{C572A759-6A51-4108-AA02-DFA0A04FC94B}">
-              <ma14:wrappingTextBoxFlag xmlns:ma14="http://schemas.microsoft.com/office/mac/drawingml/2011/main" xmlns="" val="1"/>
+              <ma14:wrappingTextBoxFlag xmlns="" xmlns:ma14="http://schemas.microsoft.com/office/mac/drawingml/2011/main" val="1"/>
             </a:ext>
           </a:extLst>
         </p:spPr>
@@ -26466,7 +26621,7 @@
           </a:ln>
           <a:extLst>
             <a:ext uri="{C572A759-6A51-4108-AA02-DFA0A04FC94B}">
-              <ma14:wrappingTextBoxFlag xmlns:ma14="http://schemas.microsoft.com/office/mac/drawingml/2011/main" xmlns="" val="1"/>
+              <ma14:wrappingTextBoxFlag xmlns="" xmlns:ma14="http://schemas.microsoft.com/office/mac/drawingml/2011/main" val="1"/>
             </a:ext>
           </a:extLst>
         </p:spPr>
@@ -27010,7 +27165,7 @@
           </a:ln>
           <a:extLst>
             <a:ext uri="{C572A759-6A51-4108-AA02-DFA0A04FC94B}">
-              <ma14:wrappingTextBoxFlag xmlns:ma14="http://schemas.microsoft.com/office/mac/drawingml/2011/main" xmlns="" val="1"/>
+              <ma14:wrappingTextBoxFlag xmlns="" xmlns:ma14="http://schemas.microsoft.com/office/mac/drawingml/2011/main" val="1"/>
             </a:ext>
           </a:extLst>
         </p:spPr>
@@ -27066,7 +27221,7 @@
           </a:ln>
           <a:extLst>
             <a:ext uri="{C572A759-6A51-4108-AA02-DFA0A04FC94B}">
-              <ma14:wrappingTextBoxFlag xmlns:ma14="http://schemas.microsoft.com/office/mac/drawingml/2011/main" xmlns="" val="1"/>
+              <ma14:wrappingTextBoxFlag xmlns="" xmlns:ma14="http://schemas.microsoft.com/office/mac/drawingml/2011/main" val="1"/>
             </a:ext>
           </a:extLst>
         </p:spPr>
@@ -27174,7 +27329,7 @@
           </a:ln>
           <a:extLst>
             <a:ext uri="{C572A759-6A51-4108-AA02-DFA0A04FC94B}">
-              <ma14:wrappingTextBoxFlag xmlns:ma14="http://schemas.microsoft.com/office/mac/drawingml/2011/main" xmlns="" val="1"/>
+              <ma14:wrappingTextBoxFlag xmlns="" xmlns:ma14="http://schemas.microsoft.com/office/mac/drawingml/2011/main" val="1"/>
             </a:ext>
           </a:extLst>
         </p:spPr>
@@ -27264,7 +27419,7 @@
           </a:ln>
           <a:extLst>
             <a:ext uri="{C572A759-6A51-4108-AA02-DFA0A04FC94B}">
-              <ma14:wrappingTextBoxFlag xmlns:ma14="http://schemas.microsoft.com/office/mac/drawingml/2011/main" xmlns="" val="1"/>
+              <ma14:wrappingTextBoxFlag xmlns="" xmlns:ma14="http://schemas.microsoft.com/office/mac/drawingml/2011/main" val="1"/>
             </a:ext>
           </a:extLst>
         </p:spPr>
